--- a/Presentazione Robocoosa.pptx
+++ b/Presentazione Robocoosa.pptx
@@ -32,7 +32,8 @@
     <p:sldId id="280" r:id="rId26"/>
     <p:sldId id="281" r:id="rId27"/>
     <p:sldId id="282" r:id="rId28"/>
-    <p:sldId id="284" r:id="rId29"/>
+    <p:sldId id="286" r:id="rId29"/>
+    <p:sldId id="284" r:id="rId30"/>
   </p:sldIdLst>
   <p:sldSz cx="12192000" cy="6858000"/>
   <p:notesSz cx="6858000" cy="9144000"/>
@@ -270,7 +271,7 @@
           <a:p>
             <a:fld id="{2EC8D0D2-83A4-A740-99AF-8D63ADEA825C}" type="datetimeFigureOut">
               <a:rPr lang="it-IT" smtClean="0"/>
-              <a:t>24/07/17</a:t>
+              <a:t>26/07/17</a:t>
             </a:fld>
             <a:endParaRPr lang="it-IT"/>
           </a:p>
@@ -440,7 +441,7 @@
           <a:p>
             <a:fld id="{2EC8D0D2-83A4-A740-99AF-8D63ADEA825C}" type="datetimeFigureOut">
               <a:rPr lang="it-IT" smtClean="0"/>
-              <a:t>24/07/17</a:t>
+              <a:t>26/07/17</a:t>
             </a:fld>
             <a:endParaRPr lang="it-IT"/>
           </a:p>
@@ -620,7 +621,7 @@
           <a:p>
             <a:fld id="{2EC8D0D2-83A4-A740-99AF-8D63ADEA825C}" type="datetimeFigureOut">
               <a:rPr lang="it-IT" smtClean="0"/>
-              <a:t>24/07/17</a:t>
+              <a:t>26/07/17</a:t>
             </a:fld>
             <a:endParaRPr lang="it-IT"/>
           </a:p>
@@ -790,7 +791,7 @@
           <a:p>
             <a:fld id="{2EC8D0D2-83A4-A740-99AF-8D63ADEA825C}" type="datetimeFigureOut">
               <a:rPr lang="it-IT" smtClean="0"/>
-              <a:t>24/07/17</a:t>
+              <a:t>26/07/17</a:t>
             </a:fld>
             <a:endParaRPr lang="it-IT"/>
           </a:p>
@@ -1036,7 +1037,7 @@
           <a:p>
             <a:fld id="{2EC8D0D2-83A4-A740-99AF-8D63ADEA825C}" type="datetimeFigureOut">
               <a:rPr lang="it-IT" smtClean="0"/>
-              <a:t>24/07/17</a:t>
+              <a:t>26/07/17</a:t>
             </a:fld>
             <a:endParaRPr lang="it-IT"/>
           </a:p>
@@ -1268,7 +1269,7 @@
           <a:p>
             <a:fld id="{2EC8D0D2-83A4-A740-99AF-8D63ADEA825C}" type="datetimeFigureOut">
               <a:rPr lang="it-IT" smtClean="0"/>
-              <a:t>24/07/17</a:t>
+              <a:t>26/07/17</a:t>
             </a:fld>
             <a:endParaRPr lang="it-IT"/>
           </a:p>
@@ -1635,7 +1636,7 @@
           <a:p>
             <a:fld id="{2EC8D0D2-83A4-A740-99AF-8D63ADEA825C}" type="datetimeFigureOut">
               <a:rPr lang="it-IT" smtClean="0"/>
-              <a:t>24/07/17</a:t>
+              <a:t>26/07/17</a:t>
             </a:fld>
             <a:endParaRPr lang="it-IT"/>
           </a:p>
@@ -1753,7 +1754,7 @@
           <a:p>
             <a:fld id="{2EC8D0D2-83A4-A740-99AF-8D63ADEA825C}" type="datetimeFigureOut">
               <a:rPr lang="it-IT" smtClean="0"/>
-              <a:t>24/07/17</a:t>
+              <a:t>26/07/17</a:t>
             </a:fld>
             <a:endParaRPr lang="it-IT"/>
           </a:p>
@@ -1848,7 +1849,7 @@
           <a:p>
             <a:fld id="{2EC8D0D2-83A4-A740-99AF-8D63ADEA825C}" type="datetimeFigureOut">
               <a:rPr lang="it-IT" smtClean="0"/>
-              <a:t>24/07/17</a:t>
+              <a:t>26/07/17</a:t>
             </a:fld>
             <a:endParaRPr lang="it-IT"/>
           </a:p>
@@ -2125,7 +2126,7 @@
           <a:p>
             <a:fld id="{2EC8D0D2-83A4-A740-99AF-8D63ADEA825C}" type="datetimeFigureOut">
               <a:rPr lang="it-IT" smtClean="0"/>
-              <a:t>24/07/17</a:t>
+              <a:t>26/07/17</a:t>
             </a:fld>
             <a:endParaRPr lang="it-IT"/>
           </a:p>
@@ -2378,7 +2379,7 @@
           <a:p>
             <a:fld id="{2EC8D0D2-83A4-A740-99AF-8D63ADEA825C}" type="datetimeFigureOut">
               <a:rPr lang="it-IT" smtClean="0"/>
-              <a:t>24/07/17</a:t>
+              <a:t>26/07/17</a:t>
             </a:fld>
             <a:endParaRPr lang="it-IT"/>
           </a:p>
@@ -2591,7 +2592,7 @@
           <a:p>
             <a:fld id="{2EC8D0D2-83A4-A740-99AF-8D63ADEA825C}" type="datetimeFigureOut">
               <a:rPr lang="it-IT" smtClean="0"/>
-              <a:t>24/07/17</a:t>
+              <a:t>26/07/17</a:t>
             </a:fld>
             <a:endParaRPr lang="it-IT"/>
           </a:p>
@@ -3130,11 +3131,7 @@
             </a:r>
             <a:r>
               <a:rPr lang="it-IT" sz="2200" i="1" dirty="0" smtClean="0"/>
-              <a:t> </a:t>
-            </a:r>
-            <a:r>
-              <a:rPr lang="it-IT" sz="2200" i="1" dirty="0" smtClean="0"/>
-              <a:t>Team</a:t>
+              <a:t> Team</a:t>
             </a:r>
             <a:endParaRPr lang="it-IT" sz="2200" i="1" dirty="0"/>
           </a:p>
@@ -3175,11 +3172,7 @@
           <a:p>
             <a:r>
               <a:rPr lang="it-IT" sz="1900" dirty="0" smtClean="0"/>
-              <a:t>Carlo </a:t>
-            </a:r>
-            <a:r>
-              <a:rPr lang="it-IT" sz="1900" dirty="0" smtClean="0"/>
-              <a:t>Nuccio</a:t>
+              <a:t>Carlo Nuccio</a:t>
             </a:r>
           </a:p>
           <a:p>
@@ -3450,15 +3443,7 @@
             </a:r>
             <a:r>
               <a:rPr lang="it-IT" dirty="0" smtClean="0"/>
-              <a:t>permette di </a:t>
-            </a:r>
-            <a:r>
-              <a:rPr lang="it-IT" dirty="0" smtClean="0"/>
-              <a:t>inviare e ricevere dati al/dal </a:t>
-            </a:r>
-            <a:r>
-              <a:rPr lang="it-IT" dirty="0" smtClean="0"/>
-              <a:t>server tramite protocollo TCP</a:t>
+              <a:t>permette di inviare e ricevere dati al/dal server tramite protocollo TCP</a:t>
             </a:r>
           </a:p>
           <a:p>
@@ -3735,11 +3720,7 @@
           <a:p>
             <a:r>
               <a:rPr lang="it-IT" dirty="0" smtClean="0"/>
-              <a:t>COMPONENTI HARDWARE - </a:t>
-            </a:r>
-            <a:r>
-              <a:rPr lang="it-IT" dirty="0" smtClean="0"/>
-              <a:t>Attuatori</a:t>
+              <a:t>COMPONENTI HARDWARE - Attuatori</a:t>
             </a:r>
             <a:endParaRPr lang="it-IT" dirty="0"/>
           </a:p>
@@ -3887,11 +3868,7 @@
           <a:p>
             <a:r>
               <a:rPr lang="it-IT" dirty="0" smtClean="0"/>
-              <a:t>COMPONENTI HARDWARE - </a:t>
-            </a:r>
-            <a:r>
-              <a:rPr lang="it-IT" dirty="0" smtClean="0"/>
-              <a:t>Attuatori</a:t>
+              <a:t>COMPONENTI HARDWARE - Attuatori</a:t>
             </a:r>
             <a:endParaRPr lang="it-IT" dirty="0"/>
           </a:p>
@@ -4416,13 +4393,8 @@
             </a:pPr>
             <a:r>
               <a:rPr lang="it-IT" dirty="0" smtClean="0"/>
-              <a:t>Approccio misto reattivo-pianificato </a:t>
-            </a:r>
-            <a:r>
-              <a:rPr lang="it-IT" dirty="0" smtClean="0"/>
-              <a:t>per evitare gli ostacoli seguendo un’indicazione sulla traiettoria da seguire</a:t>
-            </a:r>
-            <a:endParaRPr lang="it-IT" dirty="0" smtClean="0"/>
+              <a:t>Approccio misto reattivo-pianificato per evitare gli ostacoli seguendo un’indicazione sulla traiettoria da seguire</a:t>
+            </a:r>
           </a:p>
         </p:txBody>
       </p:sp>
@@ -5260,13 +5232,8 @@
             </a:r>
             <a:r>
               <a:rPr lang="it-IT" dirty="0" smtClean="0"/>
-              <a:t>il robot si muove lungo una traiettoria rettilinea evitando gli ostacoli in modo </a:t>
-            </a:r>
-            <a:r>
-              <a:rPr lang="it-IT" dirty="0" smtClean="0"/>
-              <a:t>reattivo</a:t>
-            </a:r>
-            <a:endParaRPr lang="it-IT" dirty="0" smtClean="0"/>
+              <a:t>il robot si muove lungo una traiettoria rettilinea evitando gli ostacoli in modo reattivo</a:t>
+            </a:r>
           </a:p>
           <a:p>
             <a:pPr>
@@ -6153,7 +6120,6 @@
               <a:rPr lang="it-IT" dirty="0" smtClean="0"/>
               <a:t>ostacoli.</a:t>
             </a:r>
-            <a:endParaRPr lang="it-IT" dirty="0" smtClean="0"/>
           </a:p>
           <a:p>
             <a:pPr marL="0" marR="0" lvl="0" indent="0" defTabSz="914400" eaLnBrk="1" fontAlgn="auto" latinLnBrk="0" hangingPunct="1">
@@ -6922,6 +6888,134 @@
       </p:grpSpPr>
       <p:sp>
         <p:nvSpPr>
+          <p:cNvPr id="2" name="Title 1"/>
+          <p:cNvSpPr>
+            <a:spLocks noGrp="1"/>
+          </p:cNvSpPr>
+          <p:nvPr>
+            <p:ph type="title"/>
+          </p:nvPr>
+        </p:nvSpPr>
+        <p:spPr/>
+        <p:txBody>
+          <a:bodyPr/>
+          <a:lstStyle/>
+          <a:p>
+            <a:r>
+              <a:rPr lang="en-US" dirty="0" smtClean="0"/>
+              <a:t>CODICE</a:t>
+            </a:r>
+            <a:endParaRPr lang="en-US" dirty="0"/>
+          </a:p>
+        </p:txBody>
+      </p:sp>
+      <p:sp>
+        <p:nvSpPr>
+          <p:cNvPr id="3" name="Content Placeholder 2"/>
+          <p:cNvSpPr>
+            <a:spLocks noGrp="1"/>
+          </p:cNvSpPr>
+          <p:nvPr>
+            <p:ph idx="1"/>
+          </p:nvPr>
+        </p:nvSpPr>
+        <p:spPr/>
+        <p:txBody>
+          <a:bodyPr/>
+          <a:lstStyle/>
+          <a:p>
+            <a:r>
+              <a:rPr lang="en-US" dirty="0" smtClean="0"/>
+              <a:t>Il </a:t>
+            </a:r>
+            <a:r>
+              <a:rPr lang="en-US" dirty="0" err="1" smtClean="0"/>
+              <a:t>codice</a:t>
+            </a:r>
+            <a:r>
+              <a:rPr lang="en-US" dirty="0" smtClean="0"/>
+              <a:t> </a:t>
+            </a:r>
+            <a:r>
+              <a:rPr lang="en-US" dirty="0" err="1" smtClean="0"/>
+              <a:t>è</a:t>
+            </a:r>
+            <a:r>
+              <a:rPr lang="en-US" dirty="0" smtClean="0"/>
+              <a:t> </a:t>
+            </a:r>
+            <a:r>
+              <a:rPr lang="en-US" dirty="0" err="1" smtClean="0"/>
+              <a:t>disponibile</a:t>
+            </a:r>
+            <a:r>
+              <a:rPr lang="en-US" dirty="0" smtClean="0"/>
+              <a:t> a </a:t>
+            </a:r>
+            <a:r>
+              <a:rPr lang="en-US" dirty="0" err="1" smtClean="0"/>
+              <a:t>questo</a:t>
+            </a:r>
+            <a:r>
+              <a:rPr lang="en-US" dirty="0"/>
+              <a:t> link: https://</a:t>
+            </a:r>
+            <a:r>
+              <a:rPr lang="en-US" dirty="0" err="1"/>
+              <a:t>github.com</a:t>
+            </a:r>
+            <a:r>
+              <a:rPr lang="en-US" dirty="0"/>
+              <a:t>/</a:t>
+            </a:r>
+            <a:r>
+              <a:rPr lang="en-US" dirty="0" err="1"/>
+              <a:t>riccardomusmeci</a:t>
+            </a:r>
+            <a:r>
+              <a:rPr lang="en-US" dirty="0"/>
+              <a:t>/</a:t>
+            </a:r>
+            <a:r>
+              <a:rPr lang="en-US" dirty="0" err="1"/>
+              <a:t>Robocoosa</a:t>
+            </a:r>
+            <a:endParaRPr lang="en-US" dirty="0"/>
+          </a:p>
+        </p:txBody>
+      </p:sp>
+    </p:spTree>
+    <p:extLst>
+      <p:ext uri="{BB962C8B-B14F-4D97-AF65-F5344CB8AC3E}">
+        <p14:creationId xmlns:p14="http://schemas.microsoft.com/office/powerpoint/2010/main" val="1520671330"/>
+      </p:ext>
+    </p:extLst>
+  </p:cSld>
+  <p:clrMapOvr>
+    <a:masterClrMapping/>
+  </p:clrMapOvr>
+</p:sld>
+</file>
+
+<file path=ppt/slides/slide29.xml><?xml version="1.0" encoding="utf-8"?>
+<p:sld xmlns:a="http://schemas.openxmlformats.org/drawingml/2006/main" xmlns:r="http://schemas.openxmlformats.org/officeDocument/2006/relationships" xmlns:p="http://schemas.openxmlformats.org/presentationml/2006/main">
+  <p:cSld>
+    <p:spTree>
+      <p:nvGrpSpPr>
+        <p:cNvPr id="1" name=""/>
+        <p:cNvGrpSpPr/>
+        <p:nvPr/>
+      </p:nvGrpSpPr>
+      <p:grpSpPr>
+        <a:xfrm>
+          <a:off x="0" y="0"/>
+          <a:ext cx="0" cy="0"/>
+          <a:chOff x="0" y="0"/>
+          <a:chExt cx="0" cy="0"/>
+        </a:xfrm>
+      </p:grpSpPr>
+      <p:sp>
+        <p:nvSpPr>
           <p:cNvPr id="3" name="Segnaposto contenuto 2"/>
           <p:cNvSpPr>
             <a:spLocks noGrp="1"/>
@@ -7109,43 +7203,19 @@
           <a:p>
             <a:r>
               <a:rPr lang="it-IT" dirty="0" smtClean="0"/>
-              <a:t>È un microcontrollore che trasforma un input in un’azione, </a:t>
-            </a:r>
-            <a:r>
-              <a:rPr lang="it-IT" dirty="0" smtClean="0"/>
-              <a:t>come l’attivazione </a:t>
-            </a:r>
-            <a:r>
-              <a:rPr lang="it-IT" dirty="0" smtClean="0"/>
-              <a:t>di un motore o accensione di un led</a:t>
-            </a:r>
-          </a:p>
-          <a:p>
-            <a:r>
-              <a:rPr lang="it-IT" dirty="0" smtClean="0"/>
-              <a:t>Ha delle GPIO sia </a:t>
-            </a:r>
-            <a:r>
-              <a:rPr lang="it-IT" dirty="0" smtClean="0"/>
-              <a:t>analogiche </a:t>
-            </a:r>
-            <a:r>
-              <a:rPr lang="it-IT" dirty="0" smtClean="0"/>
-              <a:t>che digitali</a:t>
-            </a:r>
-          </a:p>
-          <a:p>
-            <a:r>
-              <a:rPr lang="it-IT" dirty="0" smtClean="0"/>
-              <a:t>Presenta </a:t>
-            </a:r>
-            <a:r>
-              <a:rPr lang="it-IT" dirty="0" smtClean="0"/>
-              <a:t>caratteristiche </a:t>
-            </a:r>
-            <a:r>
-              <a:rPr lang="it-IT" dirty="0" smtClean="0"/>
-              <a:t>inferiori rispetto a </a:t>
+              <a:t>È un microcontrollore che trasforma un input in un’azione, come l’attivazione di un motore o accensione di un led</a:t>
+            </a:r>
+          </a:p>
+          <a:p>
+            <a:r>
+              <a:rPr lang="it-IT" dirty="0" smtClean="0"/>
+              <a:t>Ha delle GPIO sia analogiche che digitali</a:t>
+            </a:r>
+          </a:p>
+          <a:p>
+            <a:r>
+              <a:rPr lang="it-IT" dirty="0" smtClean="0"/>
+              <a:t>Presenta caratteristiche inferiori rispetto a </a:t>
             </a:r>
             <a:r>
               <a:rPr lang="it-IT" dirty="0" err="1" smtClean="0"/>
@@ -7162,11 +7232,7 @@
           <a:p>
             <a:r>
               <a:rPr lang="it-IT" dirty="0" smtClean="0"/>
-              <a:t>Richiede </a:t>
-            </a:r>
-            <a:r>
-              <a:rPr lang="it-IT" dirty="0" smtClean="0"/>
-              <a:t>un’architettura </a:t>
+              <a:t>Richiede un’architettura </a:t>
             </a:r>
             <a:r>
               <a:rPr lang="it-IT" dirty="0" err="1" smtClean="0"/>
@@ -7498,11 +7564,7 @@
             </a:pPr>
             <a:r>
               <a:rPr lang="it-IT" dirty="0" smtClean="0"/>
-              <a:t>Tra gli </a:t>
-            </a:r>
-            <a:r>
-              <a:rPr lang="it-IT" dirty="0" smtClean="0"/>
-              <a:t>svantaggi invece:</a:t>
+              <a:t>Tra gli svantaggi invece:</a:t>
             </a:r>
           </a:p>
           <a:p>
@@ -7788,11 +7850,7 @@
             </a:pPr>
             <a:r>
               <a:rPr lang="it-IT" dirty="0" smtClean="0"/>
-              <a:t>Si ha così una maggior potenza ma anche dimensione </a:t>
-            </a:r>
-            <a:r>
-              <a:rPr lang="it-IT" dirty="0" smtClean="0"/>
-              <a:t>fisica maggiore</a:t>
+              <a:t>Si ha così una maggior potenza ma anche dimensione fisica maggiore</a:t>
             </a:r>
             <a:endParaRPr lang="it-IT" dirty="0"/>
           </a:p>
@@ -8058,13 +8116,8 @@
             </a:r>
             <a:r>
               <a:rPr lang="it-IT" dirty="0" smtClean="0"/>
-              <a:t>utile per stabilire la presenza di oggetti o </a:t>
-            </a:r>
-            <a:r>
-              <a:rPr lang="it-IT" dirty="0" smtClean="0"/>
-              <a:t>ostacoli nelle vicinanze</a:t>
-            </a:r>
-            <a:endParaRPr lang="it-IT" dirty="0" smtClean="0"/>
+              <a:t>utile per stabilire la presenza di oggetti o ostacoli nelle vicinanze</a:t>
+            </a:r>
           </a:p>
           <a:p>
             <a:pPr>

--- a/Presentazione Robocoosa.pptx
+++ b/Presentazione Robocoosa.pptx
@@ -30,10 +30,13 @@
     <p:sldId id="278" r:id="rId24"/>
     <p:sldId id="279" r:id="rId25"/>
     <p:sldId id="280" r:id="rId26"/>
-    <p:sldId id="281" r:id="rId27"/>
-    <p:sldId id="282" r:id="rId28"/>
-    <p:sldId id="286" r:id="rId29"/>
-    <p:sldId id="284" r:id="rId30"/>
+    <p:sldId id="286" r:id="rId27"/>
+    <p:sldId id="287" r:id="rId28"/>
+    <p:sldId id="288" r:id="rId29"/>
+    <p:sldId id="281" r:id="rId30"/>
+    <p:sldId id="282" r:id="rId31"/>
+    <p:sldId id="289" r:id="rId32"/>
+    <p:sldId id="284" r:id="rId33"/>
   </p:sldIdLst>
   <p:sldSz cx="12192000" cy="6858000"/>
   <p:notesSz cx="6858000" cy="9144000"/>
@@ -6468,10 +6471,709 @@
   <p:clrMapOvr>
     <a:masterClrMapping/>
   </p:clrMapOvr>
+  <p:timing>
+    <p:tnLst>
+      <p:par>
+        <p:cTn id="1" dur="indefinite" restart="never" nodeType="tmRoot"/>
+      </p:par>
+    </p:tnLst>
+  </p:timing>
 </p:sld>
 </file>
 
 <file path=ppt/slides/slide26.xml><?xml version="1.0" encoding="utf-8"?>
+<p:sld xmlns:a="http://schemas.openxmlformats.org/drawingml/2006/main" xmlns:r="http://schemas.openxmlformats.org/officeDocument/2006/relationships" xmlns:p="http://schemas.openxmlformats.org/presentationml/2006/main">
+  <p:cSld>
+    <p:spTree>
+      <p:nvGrpSpPr>
+        <p:cNvPr id="1" name=""/>
+        <p:cNvGrpSpPr/>
+        <p:nvPr/>
+      </p:nvGrpSpPr>
+      <p:grpSpPr>
+        <a:xfrm>
+          <a:off x="0" y="0"/>
+          <a:ext cx="0" cy="0"/>
+          <a:chOff x="0" y="0"/>
+          <a:chExt cx="0" cy="0"/>
+        </a:xfrm>
+      </p:grpSpPr>
+      <p:sp>
+        <p:nvSpPr>
+          <p:cNvPr id="2" name="Titolo 1"/>
+          <p:cNvSpPr>
+            <a:spLocks noGrp="1"/>
+          </p:cNvSpPr>
+          <p:nvPr>
+            <p:ph type="title"/>
+          </p:nvPr>
+        </p:nvSpPr>
+        <p:spPr/>
+        <p:txBody>
+          <a:bodyPr/>
+          <a:lstStyle/>
+          <a:p>
+            <a:r>
+              <a:rPr lang="it-IT" dirty="0" smtClean="0"/>
+              <a:t>ELABORAZIONE FRAME</a:t>
+            </a:r>
+            <a:endParaRPr lang="it-IT" dirty="0"/>
+          </a:p>
+        </p:txBody>
+      </p:sp>
+      <p:sp>
+        <p:nvSpPr>
+          <p:cNvPr id="3" name="Segnaposto contenuto 2"/>
+          <p:cNvSpPr>
+            <a:spLocks noGrp="1"/>
+          </p:cNvSpPr>
+          <p:nvPr>
+            <p:ph idx="1"/>
+          </p:nvPr>
+        </p:nvSpPr>
+        <p:spPr/>
+        <p:txBody>
+          <a:bodyPr/>
+          <a:lstStyle/>
+          <a:p>
+            <a:pPr marL="0" marR="0" lvl="0" indent="0" defTabSz="914400" eaLnBrk="1" fontAlgn="auto" latinLnBrk="0" hangingPunct="1">
+              <a:lnSpc>
+                <a:spcPct val="100000"/>
+              </a:lnSpc>
+              <a:spcBef>
+                <a:spcPts val="0"/>
+              </a:spcBef>
+              <a:spcAft>
+                <a:spcPts val="0"/>
+              </a:spcAft>
+              <a:buClrTx/>
+              <a:buSzTx/>
+              <a:buFontTx/>
+              <a:buNone/>
+              <a:tabLst/>
+              <a:defRPr/>
+            </a:pPr>
+            <a:endParaRPr lang="it-IT" dirty="0"/>
+          </a:p>
+          <a:p>
+            <a:pPr marL="0" marR="0" lvl="0" indent="0" defTabSz="914400" eaLnBrk="1" fontAlgn="auto" latinLnBrk="0" hangingPunct="1">
+              <a:lnSpc>
+                <a:spcPct val="100000"/>
+              </a:lnSpc>
+              <a:spcBef>
+                <a:spcPts val="0"/>
+              </a:spcBef>
+              <a:spcAft>
+                <a:spcPts val="0"/>
+              </a:spcAft>
+              <a:buClrTx/>
+              <a:buSzTx/>
+              <a:buFontTx/>
+              <a:buNone/>
+              <a:tabLst/>
+              <a:defRPr/>
+            </a:pPr>
+            <a:endParaRPr lang="it-IT" dirty="0" smtClean="0"/>
+          </a:p>
+          <a:p>
+            <a:pPr marL="0" marR="0" lvl="0" indent="0" defTabSz="914400" eaLnBrk="1" fontAlgn="auto" latinLnBrk="0" hangingPunct="1">
+              <a:lnSpc>
+                <a:spcPct val="100000"/>
+              </a:lnSpc>
+              <a:spcBef>
+                <a:spcPts val="0"/>
+              </a:spcBef>
+              <a:spcAft>
+                <a:spcPts val="0"/>
+              </a:spcAft>
+              <a:buClrTx/>
+              <a:buSzTx/>
+              <a:buFontTx/>
+              <a:buNone/>
+              <a:tabLst/>
+              <a:defRPr/>
+            </a:pPr>
+            <a:endParaRPr lang="it-IT" dirty="0" smtClean="0"/>
+          </a:p>
+          <a:p>
+            <a:pPr marL="0" marR="0" lvl="0" indent="0" defTabSz="914400" eaLnBrk="1" fontAlgn="auto" latinLnBrk="0" hangingPunct="1">
+              <a:lnSpc>
+                <a:spcPct val="100000"/>
+              </a:lnSpc>
+              <a:spcBef>
+                <a:spcPts val="0"/>
+              </a:spcBef>
+              <a:spcAft>
+                <a:spcPts val="0"/>
+              </a:spcAft>
+              <a:buClrTx/>
+              <a:buSzTx/>
+              <a:buFontTx/>
+              <a:buNone/>
+              <a:tabLst/>
+              <a:defRPr/>
+            </a:pPr>
+            <a:endParaRPr lang="it-IT" dirty="0" smtClean="0"/>
+          </a:p>
+          <a:p>
+            <a:pPr marL="0" marR="0" lvl="0" indent="0" defTabSz="914400" eaLnBrk="1" fontAlgn="auto" latinLnBrk="0" hangingPunct="1">
+              <a:lnSpc>
+                <a:spcPct val="100000"/>
+              </a:lnSpc>
+              <a:spcBef>
+                <a:spcPts val="0"/>
+              </a:spcBef>
+              <a:spcAft>
+                <a:spcPts val="0"/>
+              </a:spcAft>
+              <a:buClrTx/>
+              <a:buSzTx/>
+              <a:buFontTx/>
+              <a:buNone/>
+              <a:tabLst/>
+              <a:defRPr/>
+            </a:pPr>
+            <a:endParaRPr lang="it-IT" dirty="0"/>
+          </a:p>
+        </p:txBody>
+      </p:sp>
+      <p:pic>
+        <p:nvPicPr>
+          <p:cNvPr id="5" name="Immagine 4"/>
+          <p:cNvPicPr>
+            <a:picLocks noChangeAspect="1"/>
+          </p:cNvPicPr>
+          <p:nvPr/>
+        </p:nvPicPr>
+        <p:blipFill>
+          <a:blip r:embed="rId2">
+            <a:extLst>
+              <a:ext uri="{28A0092B-C50C-407E-A947-70E740481C1C}">
+                <a14:useLocalDpi xmlns:a14="http://schemas.microsoft.com/office/drawing/2010/main" val="0"/>
+              </a:ext>
+            </a:extLst>
+          </a:blip>
+          <a:stretch>
+            <a:fillRect/>
+          </a:stretch>
+        </p:blipFill>
+        <p:spPr>
+          <a:xfrm>
+            <a:off x="3270250" y="1346994"/>
+            <a:ext cx="5651500" cy="5308600"/>
+          </a:xfrm>
+          <a:prstGeom prst="rect">
+            <a:avLst/>
+          </a:prstGeom>
+        </p:spPr>
+      </p:pic>
+    </p:spTree>
+    <p:extLst>
+      <p:ext uri="{BB962C8B-B14F-4D97-AF65-F5344CB8AC3E}">
+        <p14:creationId xmlns:p14="http://schemas.microsoft.com/office/powerpoint/2010/main" val="1309727997"/>
+      </p:ext>
+    </p:extLst>
+  </p:cSld>
+  <p:clrMapOvr>
+    <a:masterClrMapping/>
+  </p:clrMapOvr>
+  <p:timing>
+    <p:tnLst>
+      <p:par>
+        <p:cTn id="1" dur="indefinite" restart="never" nodeType="tmRoot"/>
+      </p:par>
+    </p:tnLst>
+  </p:timing>
+</p:sld>
+</file>
+
+<file path=ppt/slides/slide27.xml><?xml version="1.0" encoding="utf-8"?>
+<p:sld xmlns:a="http://schemas.openxmlformats.org/drawingml/2006/main" xmlns:r="http://schemas.openxmlformats.org/officeDocument/2006/relationships" xmlns:p="http://schemas.openxmlformats.org/presentationml/2006/main">
+  <p:cSld>
+    <p:spTree>
+      <p:nvGrpSpPr>
+        <p:cNvPr id="1" name=""/>
+        <p:cNvGrpSpPr/>
+        <p:nvPr/>
+      </p:nvGrpSpPr>
+      <p:grpSpPr>
+        <a:xfrm>
+          <a:off x="0" y="0"/>
+          <a:ext cx="0" cy="0"/>
+          <a:chOff x="0" y="0"/>
+          <a:chExt cx="0" cy="0"/>
+        </a:xfrm>
+      </p:grpSpPr>
+      <p:sp>
+        <p:nvSpPr>
+          <p:cNvPr id="2" name="Titolo 1"/>
+          <p:cNvSpPr>
+            <a:spLocks noGrp="1"/>
+          </p:cNvSpPr>
+          <p:nvPr>
+            <p:ph type="title"/>
+          </p:nvPr>
+        </p:nvSpPr>
+        <p:spPr/>
+        <p:txBody>
+          <a:bodyPr/>
+          <a:lstStyle/>
+          <a:p>
+            <a:r>
+              <a:rPr lang="it-IT" dirty="0"/>
+              <a:t>ELABORAZIONE FRAME</a:t>
+            </a:r>
+          </a:p>
+        </p:txBody>
+      </p:sp>
+      <p:sp>
+        <p:nvSpPr>
+          <p:cNvPr id="3" name="Segnaposto contenuto 2"/>
+          <p:cNvSpPr>
+            <a:spLocks noGrp="1"/>
+          </p:cNvSpPr>
+          <p:nvPr>
+            <p:ph idx="1"/>
+          </p:nvPr>
+        </p:nvSpPr>
+        <p:spPr/>
+        <p:txBody>
+          <a:bodyPr/>
+          <a:lstStyle/>
+          <a:p>
+            <a:pPr marR="0" lvl="0" defTabSz="914400" eaLnBrk="1" fontAlgn="auto" latinLnBrk="0" hangingPunct="1">
+              <a:lnSpc>
+                <a:spcPct val="100000"/>
+              </a:lnSpc>
+              <a:spcBef>
+                <a:spcPts val="0"/>
+              </a:spcBef>
+              <a:spcAft>
+                <a:spcPts val="0"/>
+              </a:spcAft>
+              <a:buClrTx/>
+              <a:buSzTx/>
+              <a:buFontTx/>
+              <a:buChar char="-"/>
+              <a:tabLst/>
+              <a:defRPr/>
+            </a:pPr>
+            <a:r>
+              <a:rPr lang="it-IT" b="1" dirty="0" smtClean="0"/>
+              <a:t>Calibrazione</a:t>
+            </a:r>
+            <a:r>
+              <a:rPr lang="it-IT" dirty="0" smtClean="0"/>
+              <a:t>: individuato valori HSV degli oggetti;</a:t>
+            </a:r>
+          </a:p>
+          <a:p>
+            <a:pPr marR="0" lvl="0" defTabSz="914400" eaLnBrk="1" fontAlgn="auto" latinLnBrk="0" hangingPunct="1">
+              <a:lnSpc>
+                <a:spcPct val="100000"/>
+              </a:lnSpc>
+              <a:spcBef>
+                <a:spcPts val="0"/>
+              </a:spcBef>
+              <a:spcAft>
+                <a:spcPts val="0"/>
+              </a:spcAft>
+              <a:buClrTx/>
+              <a:buSzTx/>
+              <a:buFontTx/>
+              <a:buChar char="-"/>
+              <a:tabLst/>
+              <a:defRPr/>
+            </a:pPr>
+            <a:endParaRPr lang="it-IT" dirty="0" smtClean="0"/>
+          </a:p>
+          <a:p>
+            <a:pPr marR="0" lvl="0" defTabSz="914400" eaLnBrk="1" fontAlgn="auto" latinLnBrk="0" hangingPunct="1">
+              <a:lnSpc>
+                <a:spcPct val="100000"/>
+              </a:lnSpc>
+              <a:spcBef>
+                <a:spcPts val="0"/>
+              </a:spcBef>
+              <a:spcAft>
+                <a:spcPts val="0"/>
+              </a:spcAft>
+              <a:buClrTx/>
+              <a:buSzTx/>
+              <a:buFontTx/>
+              <a:buChar char="-"/>
+              <a:tabLst/>
+              <a:defRPr/>
+            </a:pPr>
+            <a:r>
+              <a:rPr lang="it-IT" b="1" dirty="0" smtClean="0"/>
+              <a:t>Funzionamento</a:t>
+            </a:r>
+            <a:r>
+              <a:rPr lang="it-IT" dirty="0" smtClean="0"/>
+              <a:t>: </a:t>
+            </a:r>
+          </a:p>
+          <a:p>
+            <a:pPr lvl="1">
+              <a:lnSpc>
+                <a:spcPct val="100000"/>
+              </a:lnSpc>
+              <a:spcBef>
+                <a:spcPts val="0"/>
+              </a:spcBef>
+              <a:buFontTx/>
+              <a:buChar char="-"/>
+              <a:defRPr/>
+            </a:pPr>
+            <a:r>
+              <a:rPr lang="it-IT" sz="2800" dirty="0" smtClean="0"/>
+              <a:t>Viene applicata una maschera</a:t>
+            </a:r>
+          </a:p>
+          <a:p>
+            <a:pPr lvl="1">
+              <a:lnSpc>
+                <a:spcPct val="100000"/>
+              </a:lnSpc>
+              <a:spcBef>
+                <a:spcPts val="0"/>
+              </a:spcBef>
+              <a:buFontTx/>
+              <a:buChar char="-"/>
+              <a:defRPr/>
+            </a:pPr>
+            <a:r>
+              <a:rPr lang="it-IT" sz="2800" dirty="0" smtClean="0"/>
+              <a:t>Si individua il </a:t>
+            </a:r>
+            <a:r>
+              <a:rPr lang="it-IT" sz="2800" dirty="0" err="1" smtClean="0"/>
+              <a:t>bounding</a:t>
+            </a:r>
+            <a:r>
+              <a:rPr lang="it-IT" sz="2800" dirty="0" smtClean="0"/>
+              <a:t> box</a:t>
+            </a:r>
+          </a:p>
+          <a:p>
+            <a:pPr lvl="1">
+              <a:lnSpc>
+                <a:spcPct val="100000"/>
+              </a:lnSpc>
+              <a:spcBef>
+                <a:spcPts val="0"/>
+              </a:spcBef>
+              <a:buFontTx/>
+              <a:buChar char="-"/>
+              <a:defRPr/>
+            </a:pPr>
+            <a:r>
+              <a:rPr lang="it-IT" sz="2800" dirty="0" smtClean="0"/>
+              <a:t>Si calcola l’angolo</a:t>
+            </a:r>
+          </a:p>
+          <a:p>
+            <a:pPr marR="0" lvl="0" defTabSz="914400" eaLnBrk="1" fontAlgn="auto" latinLnBrk="0" hangingPunct="1">
+              <a:lnSpc>
+                <a:spcPct val="100000"/>
+              </a:lnSpc>
+              <a:spcBef>
+                <a:spcPts val="0"/>
+              </a:spcBef>
+              <a:spcAft>
+                <a:spcPts val="0"/>
+              </a:spcAft>
+              <a:buClrTx/>
+              <a:buSzTx/>
+              <a:buFontTx/>
+              <a:buChar char="-"/>
+              <a:tabLst/>
+              <a:defRPr/>
+            </a:pPr>
+            <a:endParaRPr lang="it-IT" dirty="0" smtClean="0"/>
+          </a:p>
+          <a:p>
+            <a:pPr marL="0" marR="0" lvl="0" indent="0" defTabSz="914400" eaLnBrk="1" fontAlgn="auto" latinLnBrk="0" hangingPunct="1">
+              <a:lnSpc>
+                <a:spcPct val="100000"/>
+              </a:lnSpc>
+              <a:spcBef>
+                <a:spcPts val="0"/>
+              </a:spcBef>
+              <a:spcAft>
+                <a:spcPts val="0"/>
+              </a:spcAft>
+              <a:buClrTx/>
+              <a:buSzTx/>
+              <a:buFontTx/>
+              <a:buNone/>
+              <a:tabLst/>
+              <a:defRPr/>
+            </a:pPr>
+            <a:endParaRPr lang="it-IT" dirty="0"/>
+          </a:p>
+          <a:p>
+            <a:pPr marL="0" marR="0" lvl="0" indent="0" defTabSz="914400" eaLnBrk="1" fontAlgn="auto" latinLnBrk="0" hangingPunct="1">
+              <a:lnSpc>
+                <a:spcPct val="100000"/>
+              </a:lnSpc>
+              <a:spcBef>
+                <a:spcPts val="0"/>
+              </a:spcBef>
+              <a:spcAft>
+                <a:spcPts val="0"/>
+              </a:spcAft>
+              <a:buClrTx/>
+              <a:buSzTx/>
+              <a:buFontTx/>
+              <a:buNone/>
+              <a:tabLst/>
+              <a:defRPr/>
+            </a:pPr>
+            <a:endParaRPr lang="it-IT" dirty="0" smtClean="0"/>
+          </a:p>
+          <a:p>
+            <a:pPr marL="0" marR="0" lvl="0" indent="0" defTabSz="914400" eaLnBrk="1" fontAlgn="auto" latinLnBrk="0" hangingPunct="1">
+              <a:lnSpc>
+                <a:spcPct val="100000"/>
+              </a:lnSpc>
+              <a:spcBef>
+                <a:spcPts val="0"/>
+              </a:spcBef>
+              <a:spcAft>
+                <a:spcPts val="0"/>
+              </a:spcAft>
+              <a:buClrTx/>
+              <a:buSzTx/>
+              <a:buFontTx/>
+              <a:buNone/>
+              <a:tabLst/>
+              <a:defRPr/>
+            </a:pPr>
+            <a:endParaRPr lang="it-IT" dirty="0" smtClean="0"/>
+          </a:p>
+          <a:p>
+            <a:pPr marL="0" marR="0" lvl="0" indent="0" defTabSz="914400" eaLnBrk="1" fontAlgn="auto" latinLnBrk="0" hangingPunct="1">
+              <a:lnSpc>
+                <a:spcPct val="100000"/>
+              </a:lnSpc>
+              <a:spcBef>
+                <a:spcPts val="0"/>
+              </a:spcBef>
+              <a:spcAft>
+                <a:spcPts val="0"/>
+              </a:spcAft>
+              <a:buClrTx/>
+              <a:buSzTx/>
+              <a:buFontTx/>
+              <a:buNone/>
+              <a:tabLst/>
+              <a:defRPr/>
+            </a:pPr>
+            <a:endParaRPr lang="it-IT" dirty="0" smtClean="0"/>
+          </a:p>
+          <a:p>
+            <a:pPr marL="0" marR="0" lvl="0" indent="0" defTabSz="914400" eaLnBrk="1" fontAlgn="auto" latinLnBrk="0" hangingPunct="1">
+              <a:lnSpc>
+                <a:spcPct val="100000"/>
+              </a:lnSpc>
+              <a:spcBef>
+                <a:spcPts val="0"/>
+              </a:spcBef>
+              <a:spcAft>
+                <a:spcPts val="0"/>
+              </a:spcAft>
+              <a:buClrTx/>
+              <a:buSzTx/>
+              <a:buFontTx/>
+              <a:buNone/>
+              <a:tabLst/>
+              <a:defRPr/>
+            </a:pPr>
+            <a:endParaRPr lang="it-IT" dirty="0"/>
+          </a:p>
+        </p:txBody>
+      </p:sp>
+    </p:spTree>
+    <p:extLst>
+      <p:ext uri="{BB962C8B-B14F-4D97-AF65-F5344CB8AC3E}">
+        <p14:creationId xmlns:p14="http://schemas.microsoft.com/office/powerpoint/2010/main" val="1706303472"/>
+      </p:ext>
+    </p:extLst>
+  </p:cSld>
+  <p:clrMapOvr>
+    <a:masterClrMapping/>
+  </p:clrMapOvr>
+  <p:timing>
+    <p:tnLst>
+      <p:par>
+        <p:cTn id="1" dur="indefinite" restart="never" nodeType="tmRoot"/>
+      </p:par>
+    </p:tnLst>
+  </p:timing>
+</p:sld>
+</file>
+
+<file path=ppt/slides/slide28.xml><?xml version="1.0" encoding="utf-8"?>
+<p:sld xmlns:a="http://schemas.openxmlformats.org/drawingml/2006/main" xmlns:r="http://schemas.openxmlformats.org/officeDocument/2006/relationships" xmlns:p="http://schemas.openxmlformats.org/presentationml/2006/main">
+  <p:cSld>
+    <p:spTree>
+      <p:nvGrpSpPr>
+        <p:cNvPr id="1" name=""/>
+        <p:cNvGrpSpPr/>
+        <p:nvPr/>
+      </p:nvGrpSpPr>
+      <p:grpSpPr>
+        <a:xfrm>
+          <a:off x="0" y="0"/>
+          <a:ext cx="0" cy="0"/>
+          <a:chOff x="0" y="0"/>
+          <a:chExt cx="0" cy="0"/>
+        </a:xfrm>
+      </p:grpSpPr>
+      <p:sp>
+        <p:nvSpPr>
+          <p:cNvPr id="2" name="Titolo 1"/>
+          <p:cNvSpPr>
+            <a:spLocks noGrp="1"/>
+          </p:cNvSpPr>
+          <p:nvPr>
+            <p:ph type="title"/>
+          </p:nvPr>
+        </p:nvSpPr>
+        <p:spPr/>
+        <p:txBody>
+          <a:bodyPr/>
+          <a:lstStyle/>
+          <a:p>
+            <a:r>
+              <a:rPr lang="it-IT" dirty="0"/>
+              <a:t>ELABORAZIONE FRAME</a:t>
+            </a:r>
+          </a:p>
+        </p:txBody>
+      </p:sp>
+      <p:sp>
+        <p:nvSpPr>
+          <p:cNvPr id="3" name="Segnaposto contenuto 2"/>
+          <p:cNvSpPr>
+            <a:spLocks noGrp="1"/>
+          </p:cNvSpPr>
+          <p:nvPr>
+            <p:ph idx="1"/>
+          </p:nvPr>
+        </p:nvSpPr>
+        <p:spPr/>
+        <p:txBody>
+          <a:bodyPr/>
+          <a:lstStyle/>
+          <a:p>
+            <a:pPr marL="0" marR="0" lvl="0" indent="0" defTabSz="914400" eaLnBrk="1" fontAlgn="auto" latinLnBrk="0" hangingPunct="1">
+              <a:lnSpc>
+                <a:spcPct val="100000"/>
+              </a:lnSpc>
+              <a:spcBef>
+                <a:spcPts val="0"/>
+              </a:spcBef>
+              <a:spcAft>
+                <a:spcPts val="0"/>
+              </a:spcAft>
+              <a:buClrTx/>
+              <a:buSzTx/>
+              <a:buFontTx/>
+              <a:buNone/>
+              <a:tabLst/>
+              <a:defRPr/>
+            </a:pPr>
+            <a:endParaRPr lang="it-IT" dirty="0" smtClean="0"/>
+          </a:p>
+          <a:p>
+            <a:pPr marL="0" marR="0" lvl="0" indent="0" defTabSz="914400" eaLnBrk="1" fontAlgn="auto" latinLnBrk="0" hangingPunct="1">
+              <a:lnSpc>
+                <a:spcPct val="100000"/>
+              </a:lnSpc>
+              <a:spcBef>
+                <a:spcPts val="0"/>
+              </a:spcBef>
+              <a:spcAft>
+                <a:spcPts val="0"/>
+              </a:spcAft>
+              <a:buClrTx/>
+              <a:buSzTx/>
+              <a:buFontTx/>
+              <a:buNone/>
+              <a:tabLst/>
+              <a:defRPr/>
+            </a:pPr>
+            <a:endParaRPr lang="it-IT" dirty="0" smtClean="0"/>
+          </a:p>
+          <a:p>
+            <a:pPr marL="0" marR="0" lvl="0" indent="0" defTabSz="914400" eaLnBrk="1" fontAlgn="auto" latinLnBrk="0" hangingPunct="1">
+              <a:lnSpc>
+                <a:spcPct val="100000"/>
+              </a:lnSpc>
+              <a:spcBef>
+                <a:spcPts val="0"/>
+              </a:spcBef>
+              <a:spcAft>
+                <a:spcPts val="0"/>
+              </a:spcAft>
+              <a:buClrTx/>
+              <a:buSzTx/>
+              <a:buFontTx/>
+              <a:buNone/>
+              <a:tabLst/>
+              <a:defRPr/>
+            </a:pPr>
+            <a:endParaRPr lang="it-IT" dirty="0"/>
+          </a:p>
+        </p:txBody>
+      </p:sp>
+      <p:pic>
+        <p:nvPicPr>
+          <p:cNvPr id="4" name="Immagine 3"/>
+          <p:cNvPicPr>
+            <a:picLocks noChangeAspect="1"/>
+          </p:cNvPicPr>
+          <p:nvPr/>
+        </p:nvPicPr>
+        <p:blipFill>
+          <a:blip r:embed="rId2">
+            <a:extLst>
+              <a:ext uri="{28A0092B-C50C-407E-A947-70E740481C1C}">
+                <a14:useLocalDpi xmlns:a14="http://schemas.microsoft.com/office/drawing/2010/main" val="0"/>
+              </a:ext>
+            </a:extLst>
+          </a:blip>
+          <a:stretch>
+            <a:fillRect/>
+          </a:stretch>
+        </p:blipFill>
+        <p:spPr>
+          <a:xfrm>
+            <a:off x="2657371" y="2112962"/>
+            <a:ext cx="6877257" cy="3776663"/>
+          </a:xfrm>
+          <a:prstGeom prst="rect">
+            <a:avLst/>
+          </a:prstGeom>
+        </p:spPr>
+      </p:pic>
+    </p:spTree>
+    <p:extLst>
+      <p:ext uri="{BB962C8B-B14F-4D97-AF65-F5344CB8AC3E}">
+        <p14:creationId xmlns:p14="http://schemas.microsoft.com/office/powerpoint/2010/main" val="1305423080"/>
+      </p:ext>
+    </p:extLst>
+  </p:cSld>
+  <p:clrMapOvr>
+    <a:masterClrMapping/>
+  </p:clrMapOvr>
+</p:sld>
+</file>
+
+<file path=ppt/slides/slide29.xml><?xml version="1.0" encoding="utf-8"?>
 <p:sld xmlns:a="http://schemas.openxmlformats.org/drawingml/2006/main" xmlns:r="http://schemas.openxmlformats.org/officeDocument/2006/relationships" xmlns:p="http://schemas.openxmlformats.org/presentationml/2006/main">
   <p:cSld>
     <p:spTree>
@@ -6670,7 +7372,149 @@
 </p:sld>
 </file>
 
-<file path=ppt/slides/slide27.xml><?xml version="1.0" encoding="utf-8"?>
+<file path=ppt/slides/slide3.xml><?xml version="1.0" encoding="utf-8"?>
+<p:sld xmlns:a="http://schemas.openxmlformats.org/drawingml/2006/main" xmlns:r="http://schemas.openxmlformats.org/officeDocument/2006/relationships" xmlns:p="http://schemas.openxmlformats.org/presentationml/2006/main">
+  <p:cSld>
+    <p:spTree>
+      <p:nvGrpSpPr>
+        <p:cNvPr id="1" name=""/>
+        <p:cNvGrpSpPr/>
+        <p:nvPr/>
+      </p:nvGrpSpPr>
+      <p:grpSpPr>
+        <a:xfrm>
+          <a:off x="0" y="0"/>
+          <a:ext cx="0" cy="0"/>
+          <a:chOff x="0" y="0"/>
+          <a:chExt cx="0" cy="0"/>
+        </a:xfrm>
+      </p:grpSpPr>
+      <p:sp>
+        <p:nvSpPr>
+          <p:cNvPr id="2" name="Titolo 1"/>
+          <p:cNvSpPr>
+            <a:spLocks noGrp="1"/>
+          </p:cNvSpPr>
+          <p:nvPr>
+            <p:ph type="title"/>
+          </p:nvPr>
+        </p:nvSpPr>
+        <p:spPr/>
+        <p:txBody>
+          <a:bodyPr/>
+          <a:lstStyle/>
+          <a:p>
+            <a:r>
+              <a:rPr lang="it-IT" dirty="0" smtClean="0"/>
+              <a:t>PERCHÉ ARDUINO</a:t>
+            </a:r>
+            <a:endParaRPr lang="it-IT" dirty="0"/>
+          </a:p>
+        </p:txBody>
+      </p:sp>
+      <p:sp>
+        <p:nvSpPr>
+          <p:cNvPr id="3" name="Segnaposto contenuto 2"/>
+          <p:cNvSpPr>
+            <a:spLocks noGrp="1"/>
+          </p:cNvSpPr>
+          <p:nvPr>
+            <p:ph idx="1"/>
+          </p:nvPr>
+        </p:nvSpPr>
+        <p:spPr/>
+        <p:txBody>
+          <a:bodyPr/>
+          <a:lstStyle/>
+          <a:p>
+            <a:r>
+              <a:rPr lang="it-IT" dirty="0" smtClean="0"/>
+              <a:t>È un microcontrollore che trasforma un input in un’azione, come l’attivazione di un motore o accensione di un led</a:t>
+            </a:r>
+          </a:p>
+          <a:p>
+            <a:r>
+              <a:rPr lang="it-IT" dirty="0" smtClean="0"/>
+              <a:t>Ha delle GPIO sia analogiche che digitali</a:t>
+            </a:r>
+          </a:p>
+          <a:p>
+            <a:r>
+              <a:rPr lang="it-IT" dirty="0" smtClean="0"/>
+              <a:t>Presenta caratteristiche inferiori rispetto a </a:t>
+            </a:r>
+            <a:r>
+              <a:rPr lang="it-IT" dirty="0" err="1" smtClean="0"/>
+              <a:t>Raspberry</a:t>
+            </a:r>
+            <a:endParaRPr lang="it-IT" dirty="0" smtClean="0"/>
+          </a:p>
+          <a:p>
+            <a:r>
+              <a:rPr lang="it-IT" dirty="0" smtClean="0"/>
+              <a:t>Estensibile con moduli esterni</a:t>
+            </a:r>
+          </a:p>
+          <a:p>
+            <a:r>
+              <a:rPr lang="it-IT" dirty="0" smtClean="0"/>
+              <a:t>Richiede un’architettura </a:t>
+            </a:r>
+            <a:r>
+              <a:rPr lang="it-IT" dirty="0" err="1" smtClean="0"/>
+              <a:t>client-server</a:t>
+            </a:r>
+            <a:endParaRPr lang="it-IT" dirty="0" smtClean="0"/>
+          </a:p>
+          <a:p>
+            <a:endParaRPr lang="it-IT" dirty="0"/>
+          </a:p>
+        </p:txBody>
+      </p:sp>
+      <p:pic>
+        <p:nvPicPr>
+          <p:cNvPr id="4" name="Immagine 3"/>
+          <p:cNvPicPr>
+            <a:picLocks noChangeAspect="1"/>
+          </p:cNvPicPr>
+          <p:nvPr/>
+        </p:nvPicPr>
+        <p:blipFill>
+          <a:blip r:embed="rId2">
+            <a:extLst>
+              <a:ext uri="{28A0092B-C50C-407E-A947-70E740481C1C}">
+                <a14:useLocalDpi xmlns:a14="http://schemas.microsoft.com/office/drawing/2010/main" val="0"/>
+              </a:ext>
+            </a:extLst>
+          </a:blip>
+          <a:stretch>
+            <a:fillRect/>
+          </a:stretch>
+        </p:blipFill>
+        <p:spPr>
+          <a:xfrm>
+            <a:off x="4987059" y="5029200"/>
+            <a:ext cx="2217882" cy="1511300"/>
+          </a:xfrm>
+          <a:prstGeom prst="rect">
+            <a:avLst/>
+          </a:prstGeom>
+        </p:spPr>
+      </p:pic>
+    </p:spTree>
+    <p:extLst>
+      <p:ext uri="{BB962C8B-B14F-4D97-AF65-F5344CB8AC3E}">
+        <p14:creationId xmlns:p14="http://schemas.microsoft.com/office/powerpoint/2010/main" val="1561867523"/>
+      </p:ext>
+    </p:extLst>
+  </p:cSld>
+  <p:clrMapOvr>
+    <a:masterClrMapping/>
+  </p:clrMapOvr>
+</p:sld>
+</file>
+
+<file path=ppt/slides/slide30.xml><?xml version="1.0" encoding="utf-8"?>
 <p:sld xmlns:a="http://schemas.openxmlformats.org/drawingml/2006/main" xmlns:r="http://schemas.openxmlformats.org/officeDocument/2006/relationships" xmlns:p="http://schemas.openxmlformats.org/presentationml/2006/main">
   <p:cSld>
     <p:spTree>
@@ -6869,7 +7713,7 @@
 </p:sld>
 </file>
 
-<file path=ppt/slides/slide28.xml><?xml version="1.0" encoding="utf-8"?>
+<file path=ppt/slides/slide31.xml><?xml version="1.0" encoding="utf-8"?>
 <p:sld xmlns:a="http://schemas.openxmlformats.org/drawingml/2006/main" xmlns:r="http://schemas.openxmlformats.org/officeDocument/2006/relationships" xmlns:p="http://schemas.openxmlformats.org/presentationml/2006/main">
   <p:cSld>
     <p:spTree>
@@ -6987,7 +7831,7 @@
     </p:spTree>
     <p:extLst>
       <p:ext uri="{BB962C8B-B14F-4D97-AF65-F5344CB8AC3E}">
-        <p14:creationId xmlns:p14="http://schemas.microsoft.com/office/powerpoint/2010/main" val="1520671330"/>
+        <p14:creationId xmlns:p14="http://schemas.microsoft.com/office/powerpoint/2010/main" val="489358734"/>
       </p:ext>
     </p:extLst>
   </p:cSld>
@@ -6997,7 +7841,7 @@
 </p:sld>
 </file>
 
-<file path=ppt/slides/slide29.xml><?xml version="1.0" encoding="utf-8"?>
+<file path=ppt/slides/slide32.xml><?xml version="1.0" encoding="utf-8"?>
 <p:sld xmlns:a="http://schemas.openxmlformats.org/drawingml/2006/main" xmlns:r="http://schemas.openxmlformats.org/officeDocument/2006/relationships" xmlns:p="http://schemas.openxmlformats.org/presentationml/2006/main">
   <p:cSld>
     <p:spTree>
@@ -7137,148 +7981,6 @@
     <p:extLst>
       <p:ext uri="{BB962C8B-B14F-4D97-AF65-F5344CB8AC3E}">
         <p14:creationId xmlns:p14="http://schemas.microsoft.com/office/powerpoint/2010/main" val="1511203212"/>
-      </p:ext>
-    </p:extLst>
-  </p:cSld>
-  <p:clrMapOvr>
-    <a:masterClrMapping/>
-  </p:clrMapOvr>
-</p:sld>
-</file>
-
-<file path=ppt/slides/slide3.xml><?xml version="1.0" encoding="utf-8"?>
-<p:sld xmlns:a="http://schemas.openxmlformats.org/drawingml/2006/main" xmlns:r="http://schemas.openxmlformats.org/officeDocument/2006/relationships" xmlns:p="http://schemas.openxmlformats.org/presentationml/2006/main">
-  <p:cSld>
-    <p:spTree>
-      <p:nvGrpSpPr>
-        <p:cNvPr id="1" name=""/>
-        <p:cNvGrpSpPr/>
-        <p:nvPr/>
-      </p:nvGrpSpPr>
-      <p:grpSpPr>
-        <a:xfrm>
-          <a:off x="0" y="0"/>
-          <a:ext cx="0" cy="0"/>
-          <a:chOff x="0" y="0"/>
-          <a:chExt cx="0" cy="0"/>
-        </a:xfrm>
-      </p:grpSpPr>
-      <p:sp>
-        <p:nvSpPr>
-          <p:cNvPr id="2" name="Titolo 1"/>
-          <p:cNvSpPr>
-            <a:spLocks noGrp="1"/>
-          </p:cNvSpPr>
-          <p:nvPr>
-            <p:ph type="title"/>
-          </p:nvPr>
-        </p:nvSpPr>
-        <p:spPr/>
-        <p:txBody>
-          <a:bodyPr/>
-          <a:lstStyle/>
-          <a:p>
-            <a:r>
-              <a:rPr lang="it-IT" dirty="0" smtClean="0"/>
-              <a:t>PERCHÉ ARDUINO</a:t>
-            </a:r>
-            <a:endParaRPr lang="it-IT" dirty="0"/>
-          </a:p>
-        </p:txBody>
-      </p:sp>
-      <p:sp>
-        <p:nvSpPr>
-          <p:cNvPr id="3" name="Segnaposto contenuto 2"/>
-          <p:cNvSpPr>
-            <a:spLocks noGrp="1"/>
-          </p:cNvSpPr>
-          <p:nvPr>
-            <p:ph idx="1"/>
-          </p:nvPr>
-        </p:nvSpPr>
-        <p:spPr/>
-        <p:txBody>
-          <a:bodyPr/>
-          <a:lstStyle/>
-          <a:p>
-            <a:r>
-              <a:rPr lang="it-IT" dirty="0" smtClean="0"/>
-              <a:t>È un microcontrollore che trasforma un input in un’azione, come l’attivazione di un motore o accensione di un led</a:t>
-            </a:r>
-          </a:p>
-          <a:p>
-            <a:r>
-              <a:rPr lang="it-IT" dirty="0" smtClean="0"/>
-              <a:t>Ha delle GPIO sia analogiche che digitali</a:t>
-            </a:r>
-          </a:p>
-          <a:p>
-            <a:r>
-              <a:rPr lang="it-IT" dirty="0" smtClean="0"/>
-              <a:t>Presenta caratteristiche inferiori rispetto a </a:t>
-            </a:r>
-            <a:r>
-              <a:rPr lang="it-IT" dirty="0" err="1" smtClean="0"/>
-              <a:t>Raspberry</a:t>
-            </a:r>
-            <a:endParaRPr lang="it-IT" dirty="0" smtClean="0"/>
-          </a:p>
-          <a:p>
-            <a:r>
-              <a:rPr lang="it-IT" dirty="0" smtClean="0"/>
-              <a:t>Estensibile con moduli esterni</a:t>
-            </a:r>
-          </a:p>
-          <a:p>
-            <a:r>
-              <a:rPr lang="it-IT" dirty="0" smtClean="0"/>
-              <a:t>Richiede un’architettura </a:t>
-            </a:r>
-            <a:r>
-              <a:rPr lang="it-IT" dirty="0" err="1" smtClean="0"/>
-              <a:t>client-server</a:t>
-            </a:r>
-            <a:endParaRPr lang="it-IT" dirty="0" smtClean="0"/>
-          </a:p>
-          <a:p>
-            <a:endParaRPr lang="it-IT" dirty="0"/>
-          </a:p>
-        </p:txBody>
-      </p:sp>
-      <p:pic>
-        <p:nvPicPr>
-          <p:cNvPr id="4" name="Immagine 3"/>
-          <p:cNvPicPr>
-            <a:picLocks noChangeAspect="1"/>
-          </p:cNvPicPr>
-          <p:nvPr/>
-        </p:nvPicPr>
-        <p:blipFill>
-          <a:blip r:embed="rId2">
-            <a:extLst>
-              <a:ext uri="{28A0092B-C50C-407E-A947-70E740481C1C}">
-                <a14:useLocalDpi xmlns:a14="http://schemas.microsoft.com/office/drawing/2010/main" val="0"/>
-              </a:ext>
-            </a:extLst>
-          </a:blip>
-          <a:stretch>
-            <a:fillRect/>
-          </a:stretch>
-        </p:blipFill>
-        <p:spPr>
-          <a:xfrm>
-            <a:off x="4987059" y="5029200"/>
-            <a:ext cx="2217882" cy="1511300"/>
-          </a:xfrm>
-          <a:prstGeom prst="rect">
-            <a:avLst/>
-          </a:prstGeom>
-        </p:spPr>
-      </p:pic>
-    </p:spTree>
-    <p:extLst>
-      <p:ext uri="{BB962C8B-B14F-4D97-AF65-F5344CB8AC3E}">
-        <p14:creationId xmlns:p14="http://schemas.microsoft.com/office/powerpoint/2010/main" val="1561867523"/>
       </p:ext>
     </p:extLst>
   </p:cSld>
